--- a/Questions.pptx
+++ b/Questions.pptx
@@ -3039,12 +3039,14 @@
             </a:pPr>
             <a:r>
               <a:rPr lang="en-IN" dirty="0" smtClean="0"/>
-              <a:t>Can you give more details about the Central Dogma of </a:t>
-            </a:r>
-            <a:r>
-              <a:rPr lang="en-IN" smtClean="0"/>
-              <a:t>Molecular Biology?</a:t>
-            </a:r>
+              <a:t>Can you give more details about the Central Dogma of Molecular Biology?</a:t>
+            </a:r>
+          </a:p>
+          <a:p>
+            <a:pPr marL="514350" indent="-514350">
+              <a:buFont typeface="+mj-lt"/>
+              <a:buAutoNum type="arabicPeriod"/>
+            </a:pPr>
             <a:endParaRPr lang="en-IN" dirty="0"/>
           </a:p>
         </p:txBody>
